--- a/Applied Data Science Capstone Project.pptx
+++ b/Applied Data Science Capstone Project.pptx
@@ -5,7 +5,7 @@
     <p:sldMasterId id="2147483648" r:id="rId1"/>
   </p:sldMasterIdLst>
   <p:notesMasterIdLst>
-    <p:notesMasterId r:id="rId27"/>
+    <p:notesMasterId r:id="rId29"/>
   </p:notesMasterIdLst>
   <p:sldIdLst>
     <p:sldId id="256" r:id="rId2"/>
@@ -33,6 +33,8 @@
     <p:sldId id="267" r:id="rId24"/>
     <p:sldId id="278" r:id="rId25"/>
     <p:sldId id="279" r:id="rId26"/>
+    <p:sldId id="282" r:id="rId27"/>
+    <p:sldId id="281" r:id="rId28"/>
   </p:sldIdLst>
   <p:sldSz cx="12192000" cy="6858000"/>
   <p:notesSz cx="6858000" cy="9144000"/>
@@ -8111,6 +8113,328 @@
     <p:extLst>
       <p:ext uri="{BB962C8B-B14F-4D97-AF65-F5344CB8AC3E}">
         <p14:creationId xmlns:p14="http://schemas.microsoft.com/office/powerpoint/2010/main" val="2265693154"/>
+      </p:ext>
+    </p:extLst>
+  </p:cSld>
+  <p:clrMapOvr>
+    <a:masterClrMapping/>
+  </p:clrMapOvr>
+</p:sld>
+</file>
+
+<file path=ppt/slides/slide26.xml><?xml version="1.0" encoding="utf-8"?>
+<p:sld xmlns:a="http://schemas.openxmlformats.org/drawingml/2006/main" xmlns:r="http://schemas.openxmlformats.org/officeDocument/2006/relationships" xmlns:p="http://schemas.openxmlformats.org/presentationml/2006/main">
+  <p:cSld>
+    <p:spTree>
+      <p:nvGrpSpPr>
+        <p:cNvPr id="1" name=""/>
+        <p:cNvGrpSpPr/>
+        <p:nvPr/>
+      </p:nvGrpSpPr>
+      <p:grpSpPr>
+        <a:xfrm>
+          <a:off x="0" y="0"/>
+          <a:ext cx="0" cy="0"/>
+          <a:chOff x="0" y="0"/>
+          <a:chExt cx="0" cy="0"/>
+        </a:xfrm>
+      </p:grpSpPr>
+      <p:sp>
+        <p:nvSpPr>
+          <p:cNvPr id="2" name="Title 1">
+            <a:extLst>
+              <a:ext uri="{FF2B5EF4-FFF2-40B4-BE49-F238E27FC236}">
+                <a16:creationId xmlns:a16="http://schemas.microsoft.com/office/drawing/2014/main" id="{790479B5-3148-29E9-450E-6D1DFE75971C}"/>
+              </a:ext>
+            </a:extLst>
+          </p:cNvPr>
+          <p:cNvSpPr>
+            <a:spLocks noGrp="1"/>
+          </p:cNvSpPr>
+          <p:nvPr>
+            <p:ph type="title"/>
+          </p:nvPr>
+        </p:nvSpPr>
+        <p:spPr/>
+        <p:txBody>
+          <a:bodyPr>
+            <a:normAutofit/>
+          </a:bodyPr>
+          <a:lstStyle/>
+          <a:p>
+            <a:pPr algn="ctr"/>
+            <a:r>
+              <a:rPr lang="en-IN" sz="2800" b="1" dirty="0">
+                <a:latin typeface="Times New Roman" panose="02020603050405020304" pitchFamily="18" charset="0"/>
+                <a:cs typeface="Times New Roman" panose="02020603050405020304" pitchFamily="18" charset="0"/>
+              </a:rPr>
+              <a:t>Acknowledgement</a:t>
+            </a:r>
+          </a:p>
+        </p:txBody>
+      </p:sp>
+      <p:sp>
+        <p:nvSpPr>
+          <p:cNvPr id="3" name="Content Placeholder 2">
+            <a:extLst>
+              <a:ext uri="{FF2B5EF4-FFF2-40B4-BE49-F238E27FC236}">
+                <a16:creationId xmlns:a16="http://schemas.microsoft.com/office/drawing/2014/main" id="{67B5A812-6BB6-C5E1-D8CE-AC4E05F37643}"/>
+              </a:ext>
+            </a:extLst>
+          </p:cNvPr>
+          <p:cNvSpPr>
+            <a:spLocks noGrp="1"/>
+          </p:cNvSpPr>
+          <p:nvPr>
+            <p:ph idx="1"/>
+          </p:nvPr>
+        </p:nvSpPr>
+        <p:spPr/>
+        <p:txBody>
+          <a:bodyPr>
+            <a:normAutofit/>
+          </a:bodyPr>
+          <a:lstStyle/>
+          <a:p>
+            <a:pPr marL="0" indent="0" algn="just">
+              <a:lnSpc>
+                <a:spcPct val="150000"/>
+              </a:lnSpc>
+              <a:buNone/>
+            </a:pPr>
+            <a:r>
+              <a:rPr lang="en-IN" sz="1600" dirty="0">
+                <a:latin typeface="Times New Roman" panose="02020603050405020304" pitchFamily="18" charset="0"/>
+                <a:cs typeface="Times New Roman" panose="02020603050405020304" pitchFamily="18" charset="0"/>
+              </a:rPr>
+              <a:t>I here by acknowledge my sincere gratitude towards the entire IBM Skills Network team and Course era to complete my project successfully in due time.  I thank every one who provided all resources in completion of this project.  I thank the authors of the project especially Prof. Joseph Santarcangelo to provide guidance and resources for the project. </a:t>
+            </a:r>
+          </a:p>
+        </p:txBody>
+      </p:sp>
+      <p:sp>
+        <p:nvSpPr>
+          <p:cNvPr id="4" name="Slide Number Placeholder 3">
+            <a:extLst>
+              <a:ext uri="{FF2B5EF4-FFF2-40B4-BE49-F238E27FC236}">
+                <a16:creationId xmlns:a16="http://schemas.microsoft.com/office/drawing/2014/main" id="{81CE6F1D-93AC-738F-3342-EB08771D38D7}"/>
+              </a:ext>
+            </a:extLst>
+          </p:cNvPr>
+          <p:cNvSpPr>
+            <a:spLocks noGrp="1"/>
+          </p:cNvSpPr>
+          <p:nvPr>
+            <p:ph type="sldNum" sz="quarter" idx="12"/>
+          </p:nvPr>
+        </p:nvSpPr>
+        <p:spPr/>
+        <p:txBody>
+          <a:bodyPr/>
+          <a:lstStyle/>
+          <a:p>
+            <a:fld id="{A15A13CF-AB93-4764-9A9E-0C9099AC8862}" type="slidenum">
+              <a:rPr lang="en-IN" smtClean="0"/>
+              <a:t>26</a:t>
+            </a:fld>
+            <a:endParaRPr lang="en-IN"/>
+          </a:p>
+        </p:txBody>
+      </p:sp>
+    </p:spTree>
+    <p:extLst>
+      <p:ext uri="{BB962C8B-B14F-4D97-AF65-F5344CB8AC3E}">
+        <p14:creationId xmlns:p14="http://schemas.microsoft.com/office/powerpoint/2010/main" val="2894539012"/>
+      </p:ext>
+    </p:extLst>
+  </p:cSld>
+  <p:clrMapOvr>
+    <a:masterClrMapping/>
+  </p:clrMapOvr>
+</p:sld>
+</file>
+
+<file path=ppt/slides/slide27.xml><?xml version="1.0" encoding="utf-8"?>
+<p:sld xmlns:a="http://schemas.openxmlformats.org/drawingml/2006/main" xmlns:r="http://schemas.openxmlformats.org/officeDocument/2006/relationships" xmlns:p="http://schemas.openxmlformats.org/presentationml/2006/main">
+  <p:cSld>
+    <p:spTree>
+      <p:nvGrpSpPr>
+        <p:cNvPr id="1" name=""/>
+        <p:cNvGrpSpPr/>
+        <p:nvPr/>
+      </p:nvGrpSpPr>
+      <p:grpSpPr>
+        <a:xfrm>
+          <a:off x="0" y="0"/>
+          <a:ext cx="0" cy="0"/>
+          <a:chOff x="0" y="0"/>
+          <a:chExt cx="0" cy="0"/>
+        </a:xfrm>
+      </p:grpSpPr>
+      <p:sp>
+        <p:nvSpPr>
+          <p:cNvPr id="2" name="Title 1">
+            <a:extLst>
+              <a:ext uri="{FF2B5EF4-FFF2-40B4-BE49-F238E27FC236}">
+                <a16:creationId xmlns:a16="http://schemas.microsoft.com/office/drawing/2014/main" id="{CD26BF4E-F0F2-F1AC-11CD-36B215B22375}"/>
+              </a:ext>
+            </a:extLst>
+          </p:cNvPr>
+          <p:cNvSpPr>
+            <a:spLocks noGrp="1"/>
+          </p:cNvSpPr>
+          <p:nvPr>
+            <p:ph type="title"/>
+          </p:nvPr>
+        </p:nvSpPr>
+        <p:spPr/>
+        <p:txBody>
+          <a:bodyPr>
+            <a:normAutofit/>
+          </a:bodyPr>
+          <a:lstStyle/>
+          <a:p>
+            <a:pPr algn="ctr"/>
+            <a:r>
+              <a:rPr lang="en-IN" sz="2800" dirty="0">
+                <a:latin typeface="Times New Roman" panose="02020603050405020304" pitchFamily="18" charset="0"/>
+                <a:cs typeface="Times New Roman" panose="02020603050405020304" pitchFamily="18" charset="0"/>
+              </a:rPr>
+              <a:t>Appendix and References</a:t>
+            </a:r>
+          </a:p>
+        </p:txBody>
+      </p:sp>
+      <p:sp>
+        <p:nvSpPr>
+          <p:cNvPr id="3" name="Content Placeholder 2">
+            <a:extLst>
+              <a:ext uri="{FF2B5EF4-FFF2-40B4-BE49-F238E27FC236}">
+                <a16:creationId xmlns:a16="http://schemas.microsoft.com/office/drawing/2014/main" id="{F11C7235-8183-F5AD-52B7-E15CD9E2B1EB}"/>
+              </a:ext>
+            </a:extLst>
+          </p:cNvPr>
+          <p:cNvSpPr>
+            <a:spLocks noGrp="1"/>
+          </p:cNvSpPr>
+          <p:nvPr>
+            <p:ph idx="1"/>
+          </p:nvPr>
+        </p:nvSpPr>
+        <p:spPr/>
+        <p:txBody>
+          <a:bodyPr>
+            <a:normAutofit/>
+          </a:bodyPr>
+          <a:lstStyle/>
+          <a:p>
+            <a:r>
+              <a:rPr lang="en-IN" sz="1600" dirty="0">
+                <a:latin typeface="Times New Roman" panose="02020603050405020304" pitchFamily="18" charset="0"/>
+                <a:cs typeface="Times New Roman" panose="02020603050405020304" pitchFamily="18" charset="0"/>
+                <a:hlinkClick r:id="rId2"/>
+              </a:rPr>
+              <a:t>https://api.spacexdata.com/v4/launches/past</a:t>
+            </a:r>
+            <a:endParaRPr lang="en-IN" sz="1600" dirty="0">
+              <a:latin typeface="Times New Roman" panose="02020603050405020304" pitchFamily="18" charset="0"/>
+              <a:cs typeface="Times New Roman" panose="02020603050405020304" pitchFamily="18" charset="0"/>
+            </a:endParaRPr>
+          </a:p>
+          <a:p>
+            <a:r>
+              <a:rPr lang="en-US" sz="1100" dirty="0">
+                <a:hlinkClick r:id="rId3"/>
+              </a:rPr>
+              <a:t>Reading: Structure Of A Report | Coursera</a:t>
+            </a:r>
+            <a:endParaRPr lang="en-IN" sz="1600" dirty="0">
+              <a:latin typeface="Times New Roman" panose="02020603050405020304" pitchFamily="18" charset="0"/>
+              <a:cs typeface="Times New Roman" panose="02020603050405020304" pitchFamily="18" charset="0"/>
+            </a:endParaRPr>
+          </a:p>
+          <a:p>
+            <a:r>
+              <a:rPr lang="en-IN" sz="1100" dirty="0">
+                <a:hlinkClick r:id="rId4"/>
+              </a:rPr>
+              <a:t>Data Collection Overview | Coursera</a:t>
+            </a:r>
+            <a:endParaRPr lang="en-IN" sz="1600" dirty="0">
+              <a:latin typeface="Times New Roman" panose="02020603050405020304" pitchFamily="18" charset="0"/>
+              <a:cs typeface="Times New Roman" panose="02020603050405020304" pitchFamily="18" charset="0"/>
+            </a:endParaRPr>
+          </a:p>
+          <a:p>
+            <a:pPr algn="l">
+              <a:lnSpc>
+                <a:spcPts val="1500"/>
+              </a:lnSpc>
+            </a:pPr>
+            <a:r>
+              <a:rPr lang="en-IN" sz="1600" dirty="0">
+                <a:solidFill>
+                  <a:srgbClr val="0F1114"/>
+                </a:solidFill>
+                <a:effectLst/>
+                <a:latin typeface="Times New Roman" panose="02020603050405020304" pitchFamily="18" charset="0"/>
+                <a:cs typeface="Times New Roman" panose="02020603050405020304" pitchFamily="18" charset="0"/>
+              </a:rPr>
+              <a:t>Applied Data Science Capstone-</a:t>
+            </a:r>
+            <a:r>
+              <a:rPr lang="en-IN" sz="1600" dirty="0">
+                <a:solidFill>
+                  <a:srgbClr val="5B6780"/>
+                </a:solidFill>
+                <a:effectLst/>
+                <a:latin typeface="Times New Roman" panose="02020603050405020304" pitchFamily="18" charset="0"/>
+                <a:cs typeface="Times New Roman" panose="02020603050405020304" pitchFamily="18" charset="0"/>
+              </a:rPr>
+              <a:t>IBM</a:t>
+            </a:r>
+          </a:p>
+          <a:p>
+            <a:endParaRPr lang="en-IN" sz="1600" dirty="0">
+              <a:latin typeface="Times New Roman" panose="02020603050405020304" pitchFamily="18" charset="0"/>
+              <a:cs typeface="Times New Roman" panose="02020603050405020304" pitchFamily="18" charset="0"/>
+            </a:endParaRPr>
+          </a:p>
+        </p:txBody>
+      </p:sp>
+      <p:sp>
+        <p:nvSpPr>
+          <p:cNvPr id="4" name="Slide Number Placeholder 3">
+            <a:extLst>
+              <a:ext uri="{FF2B5EF4-FFF2-40B4-BE49-F238E27FC236}">
+                <a16:creationId xmlns:a16="http://schemas.microsoft.com/office/drawing/2014/main" id="{717AD76C-4554-4AF3-E3C9-404B246DEB6E}"/>
+              </a:ext>
+            </a:extLst>
+          </p:cNvPr>
+          <p:cNvSpPr>
+            <a:spLocks noGrp="1"/>
+          </p:cNvSpPr>
+          <p:nvPr>
+            <p:ph type="sldNum" sz="quarter" idx="12"/>
+          </p:nvPr>
+        </p:nvSpPr>
+        <p:spPr/>
+        <p:txBody>
+          <a:bodyPr/>
+          <a:lstStyle/>
+          <a:p>
+            <a:fld id="{A15A13CF-AB93-4764-9A9E-0C9099AC8862}" type="slidenum">
+              <a:rPr lang="en-IN" smtClean="0"/>
+              <a:t>27</a:t>
+            </a:fld>
+            <a:endParaRPr lang="en-IN"/>
+          </a:p>
+        </p:txBody>
+      </p:sp>
+    </p:spTree>
+    <p:extLst>
+      <p:ext uri="{BB962C8B-B14F-4D97-AF65-F5344CB8AC3E}">
+        <p14:creationId xmlns:p14="http://schemas.microsoft.com/office/powerpoint/2010/main" val="1667772403"/>
       </p:ext>
     </p:extLst>
   </p:cSld>
